--- a/saw_table_chop.pptx
+++ b/saw_table_chop.pptx
@@ -259,7 +259,7 @@
           <a:lstStyle/>
           <a:p>
             <a:fld id="{16286276-9013-2A43-82D1-BA4685C95117}" type="datetimeFigureOut">
-              <a:t>11/22/25</a:t>
+              <a:t>11/23/25</a:t>
             </a:fld>
             <a:endParaRPr lang="en-US"/>
           </a:p>
@@ -455,7 +455,7 @@
           <a:lstStyle/>
           <a:p>
             <a:fld id="{16286276-9013-2A43-82D1-BA4685C95117}" type="datetimeFigureOut">
-              <a:t>11/22/25</a:t>
+              <a:t>11/23/25</a:t>
             </a:fld>
             <a:endParaRPr lang="en-US"/>
           </a:p>
@@ -661,7 +661,7 @@
           <a:lstStyle/>
           <a:p>
             <a:fld id="{16286276-9013-2A43-82D1-BA4685C95117}" type="datetimeFigureOut">
-              <a:t>11/22/25</a:t>
+              <a:t>11/23/25</a:t>
             </a:fld>
             <a:endParaRPr lang="en-US"/>
           </a:p>
@@ -857,7 +857,7 @@
           <a:lstStyle/>
           <a:p>
             <a:fld id="{16286276-9013-2A43-82D1-BA4685C95117}" type="datetimeFigureOut">
-              <a:t>11/22/25</a:t>
+              <a:t>11/23/25</a:t>
             </a:fld>
             <a:endParaRPr lang="en-US"/>
           </a:p>
@@ -1130,7 +1130,7 @@
           <a:lstStyle/>
           <a:p>
             <a:fld id="{16286276-9013-2A43-82D1-BA4685C95117}" type="datetimeFigureOut">
-              <a:t>11/22/25</a:t>
+              <a:t>11/23/25</a:t>
             </a:fld>
             <a:endParaRPr lang="en-US"/>
           </a:p>
@@ -1393,7 +1393,7 @@
           <a:lstStyle/>
           <a:p>
             <a:fld id="{16286276-9013-2A43-82D1-BA4685C95117}" type="datetimeFigureOut">
-              <a:t>11/22/25</a:t>
+              <a:t>11/23/25</a:t>
             </a:fld>
             <a:endParaRPr lang="en-US"/>
           </a:p>
@@ -1803,7 +1803,7 @@
           <a:lstStyle/>
           <a:p>
             <a:fld id="{16286276-9013-2A43-82D1-BA4685C95117}" type="datetimeFigureOut">
-              <a:t>11/22/25</a:t>
+              <a:t>11/23/25</a:t>
             </a:fld>
             <a:endParaRPr lang="en-US"/>
           </a:p>
@@ -1942,7 +1942,7 @@
           <a:lstStyle/>
           <a:p>
             <a:fld id="{16286276-9013-2A43-82D1-BA4685C95117}" type="datetimeFigureOut">
-              <a:t>11/22/25</a:t>
+              <a:t>11/23/25</a:t>
             </a:fld>
             <a:endParaRPr lang="en-US"/>
           </a:p>
@@ -2053,7 +2053,7 @@
           <a:lstStyle/>
           <a:p>
             <a:fld id="{16286276-9013-2A43-82D1-BA4685C95117}" type="datetimeFigureOut">
-              <a:t>11/22/25</a:t>
+              <a:t>11/23/25</a:t>
             </a:fld>
             <a:endParaRPr lang="en-US"/>
           </a:p>
@@ -2362,7 +2362,7 @@
           <a:lstStyle/>
           <a:p>
             <a:fld id="{16286276-9013-2A43-82D1-BA4685C95117}" type="datetimeFigureOut">
-              <a:t>11/22/25</a:t>
+              <a:t>11/23/25</a:t>
             </a:fld>
             <a:endParaRPr lang="en-US"/>
           </a:p>
@@ -2648,7 +2648,7 @@
           <a:lstStyle/>
           <a:p>
             <a:fld id="{16286276-9013-2A43-82D1-BA4685C95117}" type="datetimeFigureOut">
-              <a:t>11/22/25</a:t>
+              <a:t>11/23/25</a:t>
             </a:fld>
             <a:endParaRPr lang="en-US"/>
           </a:p>
@@ -2887,7 +2887,7 @@
           </a:lstStyle>
           <a:p>
             <a:fld id="{16286276-9013-2A43-82D1-BA4685C95117}" type="datetimeFigureOut">
-              <a:t>11/22/25</a:t>
+              <a:t>11/23/25</a:t>
             </a:fld>
             <a:endParaRPr lang="en-US"/>
           </a:p>
@@ -3997,7 +3997,7 @@
         <p:spPr>
           <a:xfrm>
             <a:off x="170491" y="1828562"/>
-            <a:ext cx="2443655" cy="1169551"/>
+            <a:ext cx="2443655" cy="1384995"/>
           </a:xfrm>
           <a:prstGeom prst="rect">
             <a:avLst/>
@@ -4034,11 +4034,20 @@
                 </a:solidFill>
                 <a:latin typeface="Amazon Ember"/>
               </a:rPr>
-              <a:t>designed to "cut off" sections of material; may refer to any chop saw (metal, masonry, or wood) </a:t>
-            </a:r>
-            <a:endParaRPr lang="en-US" sz="1400" b="0" i="0" dirty="0">
+              <a:t>designed to "cut off" sections of material; may refer to any chop saw (metal, masonry, or wood)  Usually 4,000 RPMs. </a:t>
+            </a:r>
+            <a:r>
+              <a:rPr lang="en-US" sz="1400" b="1" dirty="0">
+                <a:solidFill>
+                  <a:srgbClr val="FF0000"/>
+                </a:solidFill>
+                <a:latin typeface="Amazon Ember"/>
+              </a:rPr>
+              <a:t>Not good for Wood (too fast)</a:t>
+            </a:r>
+            <a:endParaRPr lang="en-US" sz="1400" b="1" i="0" dirty="0">
               <a:solidFill>
-                <a:srgbClr val="0F1111"/>
+                <a:srgbClr val="FF0000"/>
               </a:solidFill>
               <a:effectLst/>
               <a:latin typeface="Amazon Ember"/>
@@ -4123,13 +4132,6 @@
               </a:rPr>
               <a:t>Ideal for finish carpentry, trimming, and framing.</a:t>
             </a:r>
-            <a:endParaRPr lang="en-US" sz="1400" b="0" i="0" dirty="0">
-              <a:solidFill>
-                <a:srgbClr val="0F1111"/>
-              </a:solidFill>
-              <a:effectLst/>
-              <a:latin typeface="Amazon Ember"/>
-            </a:endParaRPr>
           </a:p>
         </p:txBody>
       </p:sp>
@@ -4211,6 +4213,127 @@
           <a:xfrm>
             <a:off x="3594539" y="3779376"/>
             <a:ext cx="2757921" cy="2703386"/>
+          </a:xfrm>
+          <a:prstGeom prst="rect">
+            <a:avLst/>
+          </a:prstGeom>
+          <a:noFill/>
+          <a:extLst>
+            <a:ext uri="{909E8E84-426E-40DD-AFC4-6F175D3DCCD1}">
+              <a14:hiddenFill xmlns:a14="http://schemas.microsoft.com/office/drawing/2010/main">
+                <a:solidFill>
+                  <a:srgbClr val="FFFFFF"/>
+                </a:solidFill>
+              </a14:hiddenFill>
+            </a:ext>
+          </a:extLst>
+        </p:spPr>
+      </p:pic>
+      <p:sp>
+        <p:nvSpPr>
+          <p:cNvPr id="2" name="TextBox 1">
+            <a:extLst>
+              <a:ext uri="{FF2B5EF4-FFF2-40B4-BE49-F238E27FC236}">
+                <a16:creationId xmlns:a16="http://schemas.microsoft.com/office/drawing/2014/main" id="{109E94BE-A7AD-2D97-D327-99CBF33E1F59}"/>
+              </a:ext>
+            </a:extLst>
+          </p:cNvPr>
+          <p:cNvSpPr txBox="1"/>
+          <p:nvPr/>
+        </p:nvSpPr>
+        <p:spPr>
+          <a:xfrm>
+            <a:off x="8787077" y="4912740"/>
+            <a:ext cx="2907618" cy="1384995"/>
+          </a:xfrm>
+          <a:prstGeom prst="rect">
+            <a:avLst/>
+          </a:prstGeom>
+          <a:noFill/>
+        </p:spPr>
+        <p:txBody>
+          <a:bodyPr wrap="square" rtlCol="0">
+            <a:spAutoFit/>
+          </a:bodyPr>
+          <a:lstStyle/>
+          <a:p>
+            <a:r>
+              <a:rPr lang="en-US" sz="1400" dirty="0">
+                <a:solidFill>
+                  <a:srgbClr val="0F1111"/>
+                </a:solidFill>
+                <a:latin typeface="Amazon Ember"/>
+              </a:rPr>
+              <a:t>Evolution R355CPS   </a:t>
+            </a:r>
+          </a:p>
+          <a:p>
+            <a:r>
+              <a:rPr lang="en-US" sz="1400" dirty="0">
+                <a:solidFill>
+                  <a:srgbClr val="0F1111"/>
+                </a:solidFill>
+                <a:latin typeface="Amazon Ember"/>
+              </a:rPr>
+              <a:t>14-inch blade Multi-Material Chop Saw 1,450 RPM.</a:t>
+            </a:r>
+          </a:p>
+          <a:p>
+            <a:r>
+              <a:rPr lang="en-US" sz="1400" dirty="0">
+                <a:solidFill>
+                  <a:srgbClr val="0F1111"/>
+                </a:solidFill>
+                <a:latin typeface="Amazon Ember"/>
+              </a:rPr>
+              <a:t>comes with Tungsten Carbide Tipped (TCT) blade suitable for wood</a:t>
+            </a:r>
+          </a:p>
+          <a:p>
+            <a:r>
+              <a:rPr lang="en-US" sz="1400" b="1" i="0" dirty="0">
+                <a:solidFill>
+                  <a:srgbClr val="FF0000"/>
+                </a:solidFill>
+                <a:effectLst/>
+                <a:latin typeface="Amazon Ember"/>
+              </a:rPr>
+              <a:t>$350</a:t>
+            </a:r>
+          </a:p>
+        </p:txBody>
+      </p:sp>
+      <p:pic>
+        <p:nvPicPr>
+          <p:cNvPr id="3" name="Picture 2">
+            <a:extLst>
+              <a:ext uri="{FF2B5EF4-FFF2-40B4-BE49-F238E27FC236}">
+                <a16:creationId xmlns:a16="http://schemas.microsoft.com/office/drawing/2014/main" id="{D1BBD135-6A2F-11AE-0AF1-426F1D1DD31E}"/>
+              </a:ext>
+            </a:extLst>
+          </p:cNvPr>
+          <p:cNvPicPr>
+            <a:picLocks noChangeAspect="1" noChangeArrowheads="1"/>
+          </p:cNvPicPr>
+          <p:nvPr/>
+        </p:nvPicPr>
+        <p:blipFill rotWithShape="1">
+          <a:blip r:embed="rId4" cstate="email">
+            <a:extLst>
+              <a:ext uri="{28A0092B-C50C-407E-A947-70E740481C1C}">
+                <a14:useLocalDpi xmlns:a14="http://schemas.microsoft.com/office/drawing/2010/main"/>
+              </a:ext>
+            </a:extLst>
+          </a:blip>
+          <a:srcRect/>
+          <a:stretch>
+            <a:fillRect/>
+          </a:stretch>
+        </p:blipFill>
+        <p:spPr bwMode="auto">
+          <a:xfrm>
+            <a:off x="9123961" y="2592400"/>
+            <a:ext cx="1917032" cy="2178050"/>
           </a:xfrm>
           <a:prstGeom prst="rect">
             <a:avLst/>
